--- a/QR LEANpptx.pptx
+++ b/QR LEANpptx.pptx
@@ -133,6 +133,7 @@
 <file path=ppt/revisionInfo.xml><?xml version="1.0" encoding="utf-8"?>
 <p1510:revInfo xmlns:a="http://schemas.openxmlformats.org/drawingml/2006/main" xmlns:r="http://schemas.openxmlformats.org/officeDocument/2006/relationships" xmlns:p1510="http://schemas.microsoft.com/office/powerpoint/2015/10/main">
   <p1510:revLst>
+    <p1510:client id="{61F5BD9A-CD84-F1BC-DBF2-31AEA9FCE5A6}" v="160" dt="2020-10-13T02:43:51.085"/>
     <p1510:client id="{F7E674B9-0F5D-09A1-3319-E7BC0465A235}" v="1131" dt="2020-10-13T02:30:24.587"/>
   </p1510:revLst>
 </p1510:revInfo>
@@ -4988,7 +4989,7 @@
           </a:ln>
         </p:spPr>
         <p:txBody>
-          <a:bodyPr anchor="ctr">
+          <a:bodyPr lIns="91440" tIns="45720" rIns="91440" bIns="45720" anchor="ctr">
             <a:noAutofit/>
           </a:bodyPr>
           <a:lstStyle/>
@@ -5005,13 +5006,31 @@
               </a:tabLst>
             </a:pPr>
             <a:r>
-              <a:rPr lang="es-ES" sz="8000" b="0" strike="noStrike" spc="-1">
+              <a:rPr lang="es-ES" sz="8000" b="0" strike="noStrike" spc="-1" dirty="0">
                 <a:solidFill>
                   <a:srgbClr val="FFFFFF"/>
                 </a:solidFill>
                 <a:latin typeface="Calibri"/>
               </a:rPr>
-              <a:t>Encuestas aprendices (algunas graficas).</a:t>
+              <a:t>Encuestas aprendices (algunas </a:t>
+            </a:r>
+            <a:r>
+              <a:rPr lang="es-ES" sz="8000" spc="-1" dirty="0">
+                <a:solidFill>
+                  <a:srgbClr val="FFFFFF"/>
+                </a:solidFill>
+                <a:latin typeface="Calibri"/>
+              </a:rPr>
+              <a:t>gráficas</a:t>
+            </a:r>
+            <a:r>
+              <a:rPr lang="es-ES" sz="8000" b="0" strike="noStrike" spc="-1" dirty="0">
+                <a:solidFill>
+                  <a:srgbClr val="FFFFFF"/>
+                </a:solidFill>
+                <a:latin typeface="Calibri"/>
+              </a:rPr>
+              <a:t>).</a:t>
             </a:r>
           </a:p>
           <a:p>
@@ -5092,6 +5111,47 @@
           </a:effectRef>
           <a:fontRef idx="minor"/>
         </p:style>
+      </p:sp>
+      <p:sp>
+        <p:nvSpPr>
+          <p:cNvPr id="2" name="TextBox 1">
+            <a:extLst>
+              <a:ext uri="{FF2B5EF4-FFF2-40B4-BE49-F238E27FC236}">
+                <a16:creationId xmlns:a16="http://schemas.microsoft.com/office/drawing/2014/main" id="{B7229204-C625-43F3-A6C9-92547AD1FFF0}"/>
+              </a:ext>
+            </a:extLst>
+          </p:cNvPr>
+          <p:cNvSpPr txBox="1"/>
+          <p:nvPr/>
+        </p:nvSpPr>
+        <p:spPr>
+          <a:xfrm>
+            <a:off x="7341079" y="5888966"/>
+            <a:ext cx="2743200" cy="369332"/>
+          </a:xfrm>
+          <a:prstGeom prst="rect">
+            <a:avLst/>
+          </a:prstGeom>
+          <a:noFill/>
+        </p:spPr>
+        <p:txBody>
+          <a:bodyPr rot="0" spcFirstLastPara="0" vertOverflow="overflow" horzOverflow="overflow" vert="horz" wrap="square" lIns="91440" tIns="45720" rIns="91440" bIns="45720" numCol="1" spcCol="0" rtlCol="0" fromWordArt="0" anchor="t" anchorCtr="0" forceAA="0" compatLnSpc="1">
+            <a:prstTxWarp prst="textNoShape">
+              <a:avLst/>
+            </a:prstTxWarp>
+            <a:spAutoFit/>
+          </a:bodyPr>
+          <a:lstStyle/>
+          <a:p>
+            <a:r>
+              <a:rPr lang="es-CO" dirty="0">
+                <a:hlinkClick r:id="rId3"/>
+              </a:rPr>
+              <a:t>Click para ver el formato.</a:t>
+            </a:r>
+            <a:endParaRPr lang="es-CO" dirty="0"/>
+          </a:p>
+        </p:txBody>
       </p:sp>
     </p:spTree>
   </p:cSld>
@@ -5393,7 +5453,7 @@
           </a:ln>
         </p:spPr>
         <p:txBody>
-          <a:bodyPr anchor="ctr">
+          <a:bodyPr lIns="91440" tIns="45720" rIns="91440" bIns="45720" anchor="ctr">
             <a:noAutofit/>
           </a:bodyPr>
           <a:lstStyle/>
@@ -5410,13 +5470,31 @@
               </a:tabLst>
             </a:pPr>
             <a:r>
-              <a:rPr lang="es-ES" sz="8000" b="0" strike="noStrike" spc="-1">
+              <a:rPr lang="es-ES" sz="8000" b="0" strike="noStrike" spc="-1" dirty="0">
                 <a:solidFill>
                   <a:srgbClr val="FFFFFF"/>
                 </a:solidFill>
                 <a:latin typeface="Calibri"/>
               </a:rPr>
-              <a:t>Entrevista instructores (algunas graficas).</a:t>
+              <a:t>Entrevista instructores (algunas </a:t>
+            </a:r>
+            <a:r>
+              <a:rPr lang="es-ES" sz="8000" spc="-1" dirty="0">
+                <a:solidFill>
+                  <a:srgbClr val="FFFFFF"/>
+                </a:solidFill>
+                <a:latin typeface="Calibri"/>
+              </a:rPr>
+              <a:t>gráficas</a:t>
+            </a:r>
+            <a:r>
+              <a:rPr lang="es-ES" sz="8000" b="0" strike="noStrike" spc="-1" dirty="0">
+                <a:solidFill>
+                  <a:srgbClr val="FFFFFF"/>
+                </a:solidFill>
+                <a:latin typeface="Calibri"/>
+              </a:rPr>
+              <a:t>).</a:t>
             </a:r>
           </a:p>
           <a:p>
@@ -5437,6 +5515,47 @@
               </a:solidFill>
               <a:latin typeface="Calibri"/>
             </a:endParaRPr>
+          </a:p>
+        </p:txBody>
+      </p:sp>
+      <p:sp>
+        <p:nvSpPr>
+          <p:cNvPr id="2" name="TextBox 1">
+            <a:extLst>
+              <a:ext uri="{FF2B5EF4-FFF2-40B4-BE49-F238E27FC236}">
+                <a16:creationId xmlns:a16="http://schemas.microsoft.com/office/drawing/2014/main" id="{5A3338BE-ECAA-48B9-B7C1-48685519B59A}"/>
+              </a:ext>
+            </a:extLst>
+          </p:cNvPr>
+          <p:cNvSpPr txBox="1"/>
+          <p:nvPr/>
+        </p:nvSpPr>
+        <p:spPr>
+          <a:xfrm>
+            <a:off x="7341079" y="5888966"/>
+            <a:ext cx="2743200" cy="369332"/>
+          </a:xfrm>
+          <a:prstGeom prst="rect">
+            <a:avLst/>
+          </a:prstGeom>
+          <a:noFill/>
+        </p:spPr>
+        <p:txBody>
+          <a:bodyPr rot="0" spcFirstLastPara="0" vertOverflow="overflow" horzOverflow="overflow" vert="horz" wrap="square" lIns="91440" tIns="45720" rIns="91440" bIns="45720" numCol="1" spcCol="0" rtlCol="0" fromWordArt="0" anchor="t" anchorCtr="0" forceAA="0" compatLnSpc="1">
+            <a:prstTxWarp prst="textNoShape">
+              <a:avLst/>
+            </a:prstTxWarp>
+            <a:spAutoFit/>
+          </a:bodyPr>
+          <a:lstStyle/>
+          <a:p>
+            <a:r>
+              <a:rPr lang="es-CO" dirty="0">
+                <a:hlinkClick r:id="rId2"/>
+              </a:rPr>
+              <a:t>Click para ver el formato.</a:t>
+            </a:r>
+            <a:endParaRPr lang="es-CO" dirty="0"/>
           </a:p>
         </p:txBody>
       </p:sp>
@@ -6859,7 +6978,61 @@
                 </a:solidFill>
                 <a:latin typeface="Times New Roman"/>
               </a:rPr>
-              <a:t>Desarrollar una plataforma fácil e intuitiva para la gestión de la asistencia a las clases con el fin de que cualquier persona pueda hacer uso de esta y optimizar los tiempos de control de asistencia, haciendo de </a:t>
+              <a:t>Desarrollar una plataforma fácil e intuitiva para la gestión de la </a:t>
+            </a:r>
+            <a:r>
+              <a:rPr lang="es-ES" sz="2500" spc="-1" dirty="0">
+                <a:solidFill>
+                  <a:srgbClr val="FFFFFF"/>
+                </a:solidFill>
+                <a:latin typeface="Times New Roman"/>
+              </a:rPr>
+              <a:t>asistencia a las clases con</a:t>
+            </a:r>
+            <a:r>
+              <a:rPr lang="es-ES" sz="2500" b="0" strike="noStrike" spc="-1" dirty="0">
+                <a:solidFill>
+                  <a:srgbClr val="FFFFFF"/>
+                </a:solidFill>
+                <a:latin typeface="Times New Roman"/>
+              </a:rPr>
+              <a:t> el fin de que cualquier persona pueda hacer uso de esta y optimizar los tiempos de </a:t>
+            </a:r>
+            <a:r>
+              <a:rPr lang="es-ES" sz="2500" spc="-1" dirty="0">
+                <a:solidFill>
+                  <a:srgbClr val="FFFFFF"/>
+                </a:solidFill>
+                <a:latin typeface="Times New Roman"/>
+              </a:rPr>
+              <a:t>gestión de</a:t>
+            </a:r>
+            <a:r>
+              <a:rPr lang="es-ES" sz="2500" b="0" strike="noStrike" spc="-1" dirty="0">
+                <a:solidFill>
+                  <a:srgbClr val="FFFFFF"/>
+                </a:solidFill>
+                <a:latin typeface="Times New Roman"/>
+              </a:rPr>
+              <a:t> asistencia, haciendo </a:t>
+            </a:r>
+            <a:r>
+              <a:rPr lang="es-ES" sz="2500" spc="-1" dirty="0">
+                <a:solidFill>
+                  <a:srgbClr val="FFFFFF"/>
+                </a:solidFill>
+                <a:latin typeface="Times New Roman"/>
+              </a:rPr>
+              <a:t>uso de</a:t>
+            </a:r>
+            <a:r>
+              <a:rPr lang="es-ES" sz="2500" b="0" strike="noStrike" spc="-1" dirty="0">
+                <a:solidFill>
+                  <a:srgbClr val="FFFFFF"/>
+                </a:solidFill>
+                <a:latin typeface="Times New Roman"/>
+              </a:rPr>
+              <a:t> </a:t>
             </a:r>
             <a:r>
               <a:rPr lang="es-ES" sz="2500" spc="-1" dirty="0">
@@ -6895,7 +7068,7 @@
                 </a:solidFill>
                 <a:latin typeface="Times New Roman"/>
               </a:rPr>
-              <a:t> y explicaciones virtuales.</a:t>
+              <a:t> y explicaciones </a:t>
             </a:r>
             <a:r>
               <a:rPr lang="es-ES" sz="2500" spc="-1" dirty="0">
@@ -6904,9 +7077,9 @@
                 </a:solidFill>
                 <a:latin typeface="Times New Roman"/>
               </a:rPr>
-              <a:t> </a:t>
+              <a:t>virtuales. </a:t>
             </a:r>
-            <a:endParaRPr lang="es-ES" sz="2500" b="0" strike="noStrike" spc="-1">
+            <a:endParaRPr lang="es-ES" sz="2500" b="0" strike="noStrike" spc="-1" dirty="0">
               <a:solidFill>
                 <a:srgbClr val="FFFFFF"/>
               </a:solidFill>
@@ -7050,7 +7223,7 @@
                   <a:schemeClr val="bg1"/>
                 </a:solidFill>
               </a:rPr>
-              <a:t>- Establecer asesoramiento y orientación para el usuario con el fin de mejorar la gestión de la plataforma mediante el uso de video tutoriales y tours virtuales.</a:t>
+              <a:t>- Establecer asesoramiento y orientación para el usuario con el fin de mejorar la gestión e interacción de la plataforma mediante el uso de video tutoriales y tours virtuales.</a:t>
             </a:r>
           </a:p>
           <a:p>
@@ -7081,7 +7254,7 @@
                   <a:schemeClr val="bg1"/>
                 </a:solidFill>
               </a:rPr>
-              <a:t>.</a:t>
+              <a:t> de la interfaz.</a:t>
             </a:r>
           </a:p>
           <a:p>
